--- a/output/test_output.pptx
+++ b/output/test_output.pptx
@@ -3096,8 +3096,8 @@
         </p:nvSpPr>
         <p:spPr>
           <a:xfrm>
-            <a:off x="400050" y="380999"/>
-            <a:ext cx="1352549" cy="476249"/>
+            <a:off x="200025" y="380999"/>
+            <a:ext cx="8943975" cy="274320"/>
           </a:xfrm>
           <a:prstGeom prst="rect">
             <a:avLst/>
@@ -3114,6 +3114,12 @@
               <a:lnSpc>
                 <a:spcPct val="140000"/>
               </a:lnSpc>
+              <a:spcBef>
+                <a:spcPts val="0"/>
+              </a:spcBef>
+              <a:spcAft>
+                <a:spcPts val="1500"/>
+              </a:spcAft>
               <a:defRPr>
                 <a:solidFill>
                   <a:srgbClr val="000000"/>
@@ -3121,7 +3127,9 @@
               </a:defRPr>
             </a:pPr>
             <a:r>
-              <a:rPr sz="2700" b="1"/>
+              <a:rPr sz="1200" b="1">
+                <a:latin typeface="Arial"/>
+              </a:rPr>
               <a:t>Heading</a:t>
             </a:r>
           </a:p>
@@ -3135,8 +3143,8 @@
         </p:nvSpPr>
         <p:spPr>
           <a:xfrm>
-            <a:off x="400050" y="1047749"/>
-            <a:ext cx="8343900" cy="3352800"/>
+            <a:off x="200025" y="838200"/>
+            <a:ext cx="8943975" cy="933449"/>
           </a:xfrm>
           <a:prstGeom prst="rect">
             <a:avLst/>
@@ -3153,6 +3161,12 @@
               <a:lnSpc>
                 <a:spcPct val="140000"/>
               </a:lnSpc>
+              <a:spcBef>
+                <a:spcPts val="0"/>
+              </a:spcBef>
+              <a:spcAft>
+                <a:spcPts val="0"/>
+              </a:spcAft>
               <a:defRPr>
                 <a:solidFill>
                   <a:srgbClr val="000000"/>
@@ -3160,7 +3174,9 @@
               </a:defRPr>
             </a:pPr>
             <a:r>
-              <a:rPr sz="1300"/>
+              <a:rPr sz="1000">
+                <a:latin typeface="Arial"/>
+              </a:rPr>
               <a:t>Very long line Very long line Very long line Very long line Very long line Very long line Very long line Very long line Very long line Very long line Very long line Very long line Very long line Very long line Very long line Very long line Very long line Very long line Very long line Very long line Very long line Very long line Very long line Very long line Very long line Very long line Very long line Very long line Very long line Very long line Very long line Very long line Very long line Very long line Very long line Very long line Very long line Very long line Very long line Very long line Very long line Very long line Very long line Very long line Very long line Very long line Very long line Very long line Very long line Very long line Very long line Very long line Very long line Very long line Very long line Very long line Very long line Very long line Very long line Very long line Very long line Very long line Very long line Very long line Very long line Very long line Very long line Very long line Very long line Very long line Very long line Very long line Very long line Very long line Very long line Very long line Very long line Very long line Very long line Very long line Very long line Very long line Very long line Very long line Very long line Very long line Very long line Very long line Very long line Very long line Very long line Very long line Very long line Very long line Very long line Very long line Very long line Very long line Very long line Very long line</a:t>
             </a:r>
           </a:p>
